--- a/10|2-6/2023-10-6/kanji-todaysTest.pptx
+++ b/10|2-6/2023-10-6/kanji-todaysTest.pptx
@@ -24,13 +24,9 @@
     <p:sldId id="272" r:id="rId18"/>
     <p:sldId id="273" r:id="rId19"/>
     <p:sldId id="274" r:id="rId20"/>
-    <p:sldId id="275" r:id="rId21"/>
-    <p:sldId id="276" r:id="rId22"/>
-    <p:sldId id="277" r:id="rId23"/>
-    <p:sldId id="278" r:id="rId24"/>
   </p:sldIdLst>
   <p:notesMasterIdLst>
-    <p:notesMasterId r:id="rId25"/>
+    <p:notesMasterId r:id="rId21"/>
   </p:notesMasterIdLst>
   <p:sldSz cx="9144000" cy="5143500"/>
   <p:notesSz cx="5143500" cy="9144000"/>
@@ -1516,358 +1512,6 @@
             <a:fld id="{F7021451-1387-4CA6-816F-3879F97B5CBC}" type="slidenum">
               <a:rPr lang="en-US"/>
               <a:t>2</a:t>
-            </a:fld>
-            <a:endParaRPr lang="en-US"/>
-          </a:p>
-        </p:txBody>
-      </p:sp>
-    </p:spTree>
-    <p:extLst>
-      <p:ext uri="{BB962C8B-B14F-4D97-AF65-F5344CB8AC3E}">
-        <p14:creationId xmlns:p14="http://schemas.microsoft.com/office/powerpoint/2010/main" val="1024086991"/>
-      </p:ext>
-    </p:extLst>
-  </p:cSld>
-  <p:clrMapOvr>
-    <a:masterClrMapping/>
-  </p:clrMapOvr>
-</p:notes>
-</file>
-
-<file path=ppt/notesSlides/notesSlide20.xml><?xml version="1.0" encoding="utf-8"?>
-<p:notes xmlns:a="http://schemas.openxmlformats.org/drawingml/2006/main" xmlns:r="http://schemas.openxmlformats.org/officeDocument/2006/relationships" xmlns:p="http://schemas.openxmlformats.org/presentationml/2006/main">
-  <p:cSld>
-    <p:spTree>
-      <p:nvGrpSpPr>
-        <p:cNvPr id="1" name=""/>
-        <p:cNvGrpSpPr/>
-        <p:nvPr/>
-      </p:nvGrpSpPr>
-      <p:grpSpPr>
-        <a:xfrm>
-          <a:off x="0" y="0"/>
-          <a:ext cx="0" cy="0"/>
-          <a:chOff x="0" y="0"/>
-          <a:chExt cx="0" cy="0"/>
-        </a:xfrm>
-      </p:grpSpPr>
-      <p:sp>
-        <p:nvSpPr>
-          <p:cNvPr id="2" name="Slide Image Placeholder 1"/>
-          <p:cNvSpPr>
-            <a:spLocks noGrp="1" noRot="1" noChangeAspect="1"/>
-          </p:cNvSpPr>
-          <p:nvPr>
-            <p:ph type="sldImg"/>
-          </p:nvPr>
-        </p:nvSpPr>
-        <p:spPr/>
-      </p:sp>
-      <p:sp>
-        <p:nvSpPr>
-          <p:cNvPr id="3" name="Notes Placeholder 2"/>
-          <p:cNvSpPr>
-            <a:spLocks noGrp="1"/>
-          </p:cNvSpPr>
-          <p:nvPr>
-            <p:ph type="body" idx="1"/>
-          </p:nvPr>
-        </p:nvSpPr>
-        <p:spPr/>
-        <p:txBody>
-          <a:bodyPr/>
-          <a:lstStyle/>
-          <a:p>
-            <a:r>
-              <a:rPr lang="en-US" dirty="0"/>
-              <a:t/>
-            </a:r>
-            <a:endParaRPr lang="en-US" dirty="0"/>
-          </a:p>
-        </p:txBody>
-      </p:sp>
-      <p:sp>
-        <p:nvSpPr>
-          <p:cNvPr id="4" name="Slide Number Placeholder 3"/>
-          <p:cNvSpPr>
-            <a:spLocks noGrp="1"/>
-          </p:cNvSpPr>
-          <p:nvPr>
-            <p:ph type="sldNum" sz="quarter" idx="10"/>
-          </p:nvPr>
-        </p:nvSpPr>
-        <p:spPr/>
-        <p:txBody>
-          <a:bodyPr/>
-          <a:lstStyle/>
-          <a:p>
-            <a:fld id="{F7021451-1387-4CA6-816F-3879F97B5CBC}" type="slidenum">
-              <a:rPr lang="en-US"/>
-              <a:t>20</a:t>
-            </a:fld>
-            <a:endParaRPr lang="en-US"/>
-          </a:p>
-        </p:txBody>
-      </p:sp>
-    </p:spTree>
-    <p:extLst>
-      <p:ext uri="{BB962C8B-B14F-4D97-AF65-F5344CB8AC3E}">
-        <p14:creationId xmlns:p14="http://schemas.microsoft.com/office/powerpoint/2010/main" val="1024086991"/>
-      </p:ext>
-    </p:extLst>
-  </p:cSld>
-  <p:clrMapOvr>
-    <a:masterClrMapping/>
-  </p:clrMapOvr>
-</p:notes>
-</file>
-
-<file path=ppt/notesSlides/notesSlide21.xml><?xml version="1.0" encoding="utf-8"?>
-<p:notes xmlns:a="http://schemas.openxmlformats.org/drawingml/2006/main" xmlns:r="http://schemas.openxmlformats.org/officeDocument/2006/relationships" xmlns:p="http://schemas.openxmlformats.org/presentationml/2006/main">
-  <p:cSld>
-    <p:spTree>
-      <p:nvGrpSpPr>
-        <p:cNvPr id="1" name=""/>
-        <p:cNvGrpSpPr/>
-        <p:nvPr/>
-      </p:nvGrpSpPr>
-      <p:grpSpPr>
-        <a:xfrm>
-          <a:off x="0" y="0"/>
-          <a:ext cx="0" cy="0"/>
-          <a:chOff x="0" y="0"/>
-          <a:chExt cx="0" cy="0"/>
-        </a:xfrm>
-      </p:grpSpPr>
-      <p:sp>
-        <p:nvSpPr>
-          <p:cNvPr id="2" name="Slide Image Placeholder 1"/>
-          <p:cNvSpPr>
-            <a:spLocks noGrp="1" noRot="1" noChangeAspect="1"/>
-          </p:cNvSpPr>
-          <p:nvPr>
-            <p:ph type="sldImg"/>
-          </p:nvPr>
-        </p:nvSpPr>
-        <p:spPr/>
-      </p:sp>
-      <p:sp>
-        <p:nvSpPr>
-          <p:cNvPr id="3" name="Notes Placeholder 2"/>
-          <p:cNvSpPr>
-            <a:spLocks noGrp="1"/>
-          </p:cNvSpPr>
-          <p:nvPr>
-            <p:ph type="body" idx="1"/>
-          </p:nvPr>
-        </p:nvSpPr>
-        <p:spPr/>
-        <p:txBody>
-          <a:bodyPr/>
-          <a:lstStyle/>
-          <a:p>
-            <a:r>
-              <a:rPr lang="en-US" dirty="0"/>
-              <a:t/>
-            </a:r>
-            <a:endParaRPr lang="en-US" dirty="0"/>
-          </a:p>
-        </p:txBody>
-      </p:sp>
-      <p:sp>
-        <p:nvSpPr>
-          <p:cNvPr id="4" name="Slide Number Placeholder 3"/>
-          <p:cNvSpPr>
-            <a:spLocks noGrp="1"/>
-          </p:cNvSpPr>
-          <p:nvPr>
-            <p:ph type="sldNum" sz="quarter" idx="10"/>
-          </p:nvPr>
-        </p:nvSpPr>
-        <p:spPr/>
-        <p:txBody>
-          <a:bodyPr/>
-          <a:lstStyle/>
-          <a:p>
-            <a:fld id="{F7021451-1387-4CA6-816F-3879F97B5CBC}" type="slidenum">
-              <a:rPr lang="en-US"/>
-              <a:t>21</a:t>
-            </a:fld>
-            <a:endParaRPr lang="en-US"/>
-          </a:p>
-        </p:txBody>
-      </p:sp>
-    </p:spTree>
-    <p:extLst>
-      <p:ext uri="{BB962C8B-B14F-4D97-AF65-F5344CB8AC3E}">
-        <p14:creationId xmlns:p14="http://schemas.microsoft.com/office/powerpoint/2010/main" val="1024086991"/>
-      </p:ext>
-    </p:extLst>
-  </p:cSld>
-  <p:clrMapOvr>
-    <a:masterClrMapping/>
-  </p:clrMapOvr>
-</p:notes>
-</file>
-
-<file path=ppt/notesSlides/notesSlide22.xml><?xml version="1.0" encoding="utf-8"?>
-<p:notes xmlns:a="http://schemas.openxmlformats.org/drawingml/2006/main" xmlns:r="http://schemas.openxmlformats.org/officeDocument/2006/relationships" xmlns:p="http://schemas.openxmlformats.org/presentationml/2006/main">
-  <p:cSld>
-    <p:spTree>
-      <p:nvGrpSpPr>
-        <p:cNvPr id="1" name=""/>
-        <p:cNvGrpSpPr/>
-        <p:nvPr/>
-      </p:nvGrpSpPr>
-      <p:grpSpPr>
-        <a:xfrm>
-          <a:off x="0" y="0"/>
-          <a:ext cx="0" cy="0"/>
-          <a:chOff x="0" y="0"/>
-          <a:chExt cx="0" cy="0"/>
-        </a:xfrm>
-      </p:grpSpPr>
-      <p:sp>
-        <p:nvSpPr>
-          <p:cNvPr id="2" name="Slide Image Placeholder 1"/>
-          <p:cNvSpPr>
-            <a:spLocks noGrp="1" noRot="1" noChangeAspect="1"/>
-          </p:cNvSpPr>
-          <p:nvPr>
-            <p:ph type="sldImg"/>
-          </p:nvPr>
-        </p:nvSpPr>
-        <p:spPr/>
-      </p:sp>
-      <p:sp>
-        <p:nvSpPr>
-          <p:cNvPr id="3" name="Notes Placeholder 2"/>
-          <p:cNvSpPr>
-            <a:spLocks noGrp="1"/>
-          </p:cNvSpPr>
-          <p:nvPr>
-            <p:ph type="body" idx="1"/>
-          </p:nvPr>
-        </p:nvSpPr>
-        <p:spPr/>
-        <p:txBody>
-          <a:bodyPr/>
-          <a:lstStyle/>
-          <a:p>
-            <a:r>
-              <a:rPr lang="en-US" dirty="0"/>
-              <a:t/>
-            </a:r>
-            <a:endParaRPr lang="en-US" dirty="0"/>
-          </a:p>
-        </p:txBody>
-      </p:sp>
-      <p:sp>
-        <p:nvSpPr>
-          <p:cNvPr id="4" name="Slide Number Placeholder 3"/>
-          <p:cNvSpPr>
-            <a:spLocks noGrp="1"/>
-          </p:cNvSpPr>
-          <p:nvPr>
-            <p:ph type="sldNum" sz="quarter" idx="10"/>
-          </p:nvPr>
-        </p:nvSpPr>
-        <p:spPr/>
-        <p:txBody>
-          <a:bodyPr/>
-          <a:lstStyle/>
-          <a:p>
-            <a:fld id="{F7021451-1387-4CA6-816F-3879F97B5CBC}" type="slidenum">
-              <a:rPr lang="en-US"/>
-              <a:t>22</a:t>
-            </a:fld>
-            <a:endParaRPr lang="en-US"/>
-          </a:p>
-        </p:txBody>
-      </p:sp>
-    </p:spTree>
-    <p:extLst>
-      <p:ext uri="{BB962C8B-B14F-4D97-AF65-F5344CB8AC3E}">
-        <p14:creationId xmlns:p14="http://schemas.microsoft.com/office/powerpoint/2010/main" val="1024086991"/>
-      </p:ext>
-    </p:extLst>
-  </p:cSld>
-  <p:clrMapOvr>
-    <a:masterClrMapping/>
-  </p:clrMapOvr>
-</p:notes>
-</file>
-
-<file path=ppt/notesSlides/notesSlide23.xml><?xml version="1.0" encoding="utf-8"?>
-<p:notes xmlns:a="http://schemas.openxmlformats.org/drawingml/2006/main" xmlns:r="http://schemas.openxmlformats.org/officeDocument/2006/relationships" xmlns:p="http://schemas.openxmlformats.org/presentationml/2006/main">
-  <p:cSld>
-    <p:spTree>
-      <p:nvGrpSpPr>
-        <p:cNvPr id="1" name=""/>
-        <p:cNvGrpSpPr/>
-        <p:nvPr/>
-      </p:nvGrpSpPr>
-      <p:grpSpPr>
-        <a:xfrm>
-          <a:off x="0" y="0"/>
-          <a:ext cx="0" cy="0"/>
-          <a:chOff x="0" y="0"/>
-          <a:chExt cx="0" cy="0"/>
-        </a:xfrm>
-      </p:grpSpPr>
-      <p:sp>
-        <p:nvSpPr>
-          <p:cNvPr id="2" name="Slide Image Placeholder 1"/>
-          <p:cNvSpPr>
-            <a:spLocks noGrp="1" noRot="1" noChangeAspect="1"/>
-          </p:cNvSpPr>
-          <p:nvPr>
-            <p:ph type="sldImg"/>
-          </p:nvPr>
-        </p:nvSpPr>
-        <p:spPr/>
-      </p:sp>
-      <p:sp>
-        <p:nvSpPr>
-          <p:cNvPr id="3" name="Notes Placeholder 2"/>
-          <p:cNvSpPr>
-            <a:spLocks noGrp="1"/>
-          </p:cNvSpPr>
-          <p:nvPr>
-            <p:ph type="body" idx="1"/>
-          </p:nvPr>
-        </p:nvSpPr>
-        <p:spPr/>
-        <p:txBody>
-          <a:bodyPr/>
-          <a:lstStyle/>
-          <a:p>
-            <a:r>
-              <a:rPr lang="en-US" dirty="0"/>
-              <a:t/>
-            </a:r>
-            <a:endParaRPr lang="en-US" dirty="0"/>
-          </a:p>
-        </p:txBody>
-      </p:sp>
-      <p:sp>
-        <p:nvSpPr>
-          <p:cNvPr id="4" name="Slide Number Placeholder 3"/>
-          <p:cNvSpPr>
-            <a:spLocks noGrp="1"/>
-          </p:cNvSpPr>
-          <p:nvPr>
-            <p:ph type="sldNum" sz="quarter" idx="10"/>
-          </p:nvPr>
-        </p:nvSpPr>
-        <p:spPr/>
-        <p:txBody>
-          <a:bodyPr/>
-          <a:lstStyle/>
-          <a:p>
-            <a:fld id="{F7021451-1387-4CA6-816F-3879F97B5CBC}" type="slidenum">
-              <a:rPr lang="en-US"/>
-              <a:t>23</a:t>
             </a:fld>
             <a:endParaRPr lang="en-US"/>
           </a:p>
@@ -2856,7 +2500,7 @@
                   <a:srgbClr val="000000"/>
                 </a:solidFill>
               </a:rPr>
-              <a:t>境</a:t>
+              <a:t>殺す</a:t>
             </a:r>
             <a:endParaRPr lang="en-US" sz="4800" dirty="0"/>
           </a:p>
@@ -2904,7 +2548,7 @@
                   <a:srgbClr val="404040"/>
                 </a:solidFill>
               </a:rPr>
-              <a:t>さかい</a:t>
+              <a:t>ころす</a:t>
             </a:r>
             <a:endParaRPr lang="en-US" sz="3600" dirty="0"/>
           </a:p>
@@ -2940,7 +2584,7 @@
                   <a:srgbClr val="808080"/>
                 </a:solidFill>
               </a:rPr>
-              <a:t>border, boundary | turning point, watershed | area, region, spot, space, environment | psychological state, mental state ...</a:t>
+              <a:t>to kill, to slay, to murder, to slaughter | to suppress, to block, to hamper, to destroy (e.g. talent), to eliminate (e.g...</a:t>
             </a:r>
             <a:endParaRPr lang="en-US" sz="3600" dirty="0"/>
           </a:p>
@@ -2976,7 +2620,7 @@
                   <a:srgbClr val="808080"/>
                 </a:solidFill>
               </a:rPr>
-              <a:t>69-70</a:t>
+              <a:t>67-68</a:t>
             </a:r>
             <a:endParaRPr lang="en-US" sz="2400" dirty="0"/>
           </a:p>
@@ -3037,7 +2681,7 @@
                   <a:srgbClr val="000000"/>
                 </a:solidFill>
               </a:rPr>
-              <a:t>回路</a:t>
+              <a:t>幅広い</a:t>
             </a:r>
             <a:endParaRPr lang="en-US" sz="4800" dirty="0"/>
           </a:p>
@@ -3085,7 +2729,7 @@
                   <a:srgbClr val="404040"/>
                 </a:solidFill>
               </a:rPr>
-              <a:t>かいろ</a:t>
+              <a:t>はばひろい</a:t>
             </a:r>
             <a:endParaRPr lang="en-US" sz="3600" dirty="0"/>
           </a:p>
@@ -3121,7 +2765,7 @@
                   <a:srgbClr val="808080"/>
                 </a:solidFill>
               </a:rPr>
-              <a:t>circuit (electric) | cycle (e.g. Krebs cycle)...</a:t>
+              <a:t>extensive, wide, broad...</a:t>
             </a:r>
             <a:endParaRPr lang="en-US" sz="3600" dirty="0"/>
           </a:p>
@@ -3157,7 +2801,7 @@
                   <a:srgbClr val="808080"/>
                 </a:solidFill>
               </a:rPr>
-              <a:t>69-70</a:t>
+              <a:t>65-66</a:t>
             </a:r>
             <a:endParaRPr lang="en-US" sz="2400" dirty="0"/>
           </a:p>
@@ -3218,7 +2862,7 @@
                   <a:srgbClr val="000000"/>
                 </a:solidFill>
               </a:rPr>
-              <a:t>換える</a:t>
+              <a:t>増幅</a:t>
             </a:r>
             <a:endParaRPr lang="en-US" sz="4800" dirty="0"/>
           </a:p>
@@ -3266,7 +2910,7 @@
                   <a:srgbClr val="404040"/>
                 </a:solidFill>
               </a:rPr>
-              <a:t>かえる</a:t>
+              <a:t>ぞうふく</a:t>
             </a:r>
             <a:endParaRPr lang="en-US" sz="3600" dirty="0"/>
           </a:p>
@@ -3302,7 +2946,7 @@
                   <a:srgbClr val="808080"/>
                 </a:solidFill>
               </a:rPr>
-              <a:t>to replace | to exchange, to interchange | to substitute...</a:t>
+              <a:t>amplification (elec.) | magnification, amplification, making larger...</a:t>
             </a:r>
             <a:endParaRPr lang="en-US" sz="3600" dirty="0"/>
           </a:p>
@@ -3338,7 +2982,7 @@
                   <a:srgbClr val="808080"/>
                 </a:solidFill>
               </a:rPr>
-              <a:t>69-70</a:t>
+              <a:t>65-66</a:t>
             </a:r>
             <a:endParaRPr lang="en-US" sz="2400" dirty="0"/>
           </a:p>
@@ -3399,7 +3043,7 @@
                   <a:srgbClr val="000000"/>
                 </a:solidFill>
               </a:rPr>
-              <a:t>代替</a:t>
+              <a:t>支える</a:t>
             </a:r>
             <a:endParaRPr lang="en-US" sz="4800" dirty="0"/>
           </a:p>
@@ -3447,7 +3091,7 @@
                   <a:srgbClr val="404040"/>
                 </a:solidFill>
               </a:rPr>
-              <a:t>だいたい</a:t>
+              <a:t>ささえる</a:t>
             </a:r>
             <a:endParaRPr lang="en-US" sz="3600" dirty="0"/>
           </a:p>
@@ -3483,7 +3127,7 @@
                   <a:srgbClr val="808080"/>
                 </a:solidFill>
               </a:rPr>
-              <a:t>substitution | alternative, substitute...</a:t>
+              <a:t>to support, to prop, to sustain, to underlay, to hold up, to defend | to hold at bay, to stem, to check...</a:t>
             </a:r>
             <a:endParaRPr lang="en-US" sz="3600" dirty="0"/>
           </a:p>
@@ -3519,7 +3163,7 @@
                   <a:srgbClr val="808080"/>
                 </a:solidFill>
               </a:rPr>
-              <a:t>69-70</a:t>
+              <a:t>65-66</a:t>
             </a:r>
             <a:endParaRPr lang="en-US" sz="2400" dirty="0"/>
           </a:p>
@@ -3580,7 +3224,7 @@
                   <a:srgbClr val="000000"/>
                 </a:solidFill>
               </a:rPr>
-              <a:t>携わる</a:t>
+              <a:t>支持</a:t>
             </a:r>
             <a:endParaRPr lang="en-US" sz="4800" dirty="0"/>
           </a:p>
@@ -3628,7 +3272,7 @@
                   <a:srgbClr val="404040"/>
                 </a:solidFill>
               </a:rPr>
-              <a:t>たずさわる</a:t>
+              <a:t>しじ</a:t>
             </a:r>
             <a:endParaRPr lang="en-US" sz="3600" dirty="0"/>
           </a:p>
@@ -3664,7 +3308,7 @@
                   <a:srgbClr val="808080"/>
                 </a:solidFill>
               </a:rPr>
-              <a:t>to engage in, to participate in, to take part in, to be involved in...</a:t>
+              <a:t>support, backing, endorsement, approval | propping up, holding up, support...</a:t>
             </a:r>
             <a:endParaRPr lang="en-US" sz="3600" dirty="0"/>
           </a:p>
@@ -3700,7 +3344,7 @@
                   <a:srgbClr val="808080"/>
                 </a:solidFill>
               </a:rPr>
-              <a:t>69-70</a:t>
+              <a:t>65-66</a:t>
             </a:r>
             <a:endParaRPr lang="en-US" sz="2400" dirty="0"/>
           </a:p>
@@ -3761,7 +3405,7 @@
                   <a:srgbClr val="000000"/>
                 </a:solidFill>
               </a:rPr>
-              <a:t>連携</a:t>
+              <a:t>反対</a:t>
             </a:r>
             <a:endParaRPr lang="en-US" sz="4800" dirty="0"/>
           </a:p>
@@ -3809,7 +3453,7 @@
                   <a:srgbClr val="404040"/>
                 </a:solidFill>
               </a:rPr>
-              <a:t>れんけい</a:t>
+              <a:t>はんたい</a:t>
             </a:r>
             <a:endParaRPr lang="en-US" sz="3600" dirty="0"/>
           </a:p>
@@ -3845,7 +3489,7 @@
                   <a:srgbClr val="808080"/>
                 </a:solidFill>
               </a:rPr>
-              <a:t>cooperation, coordination, link...</a:t>
+              <a:t>opposition, resistance, antagonism, hostility, objection, dissent | reverse, opposite, inverse, contrary...</a:t>
             </a:r>
             <a:endParaRPr lang="en-US" sz="3600" dirty="0"/>
           </a:p>
@@ -3881,7 +3525,7 @@
                   <a:srgbClr val="808080"/>
                 </a:solidFill>
               </a:rPr>
-              <a:t>69-70</a:t>
+              <a:t>65-66</a:t>
             </a:r>
             <a:endParaRPr lang="en-US" sz="2400" dirty="0"/>
           </a:p>
@@ -3942,7 +3586,7 @@
                   <a:srgbClr val="000000"/>
                 </a:solidFill>
               </a:rPr>
-              <a:t>殺す</a:t>
+              <a:t>論文</a:t>
             </a:r>
             <a:endParaRPr lang="en-US" sz="4800" dirty="0"/>
           </a:p>
@@ -3990,7 +3634,7 @@
                   <a:srgbClr val="404040"/>
                 </a:solidFill>
               </a:rPr>
-              <a:t>ころす</a:t>
+              <a:t>ろんぶん</a:t>
             </a:r>
             <a:endParaRPr lang="en-US" sz="3600" dirty="0"/>
           </a:p>
@@ -4026,7 +3670,7 @@
                   <a:srgbClr val="808080"/>
                 </a:solidFill>
               </a:rPr>
-              <a:t>to kill, to slay, to murder, to slaughter | to suppress, to block, to hamper, to destroy (e.g. talent), to eliminate (e.g...</a:t>
+              <a:t>thesis, essay, treatise, paper, article...</a:t>
             </a:r>
             <a:endParaRPr lang="en-US" sz="3600" dirty="0"/>
           </a:p>
@@ -4062,7 +3706,7 @@
                   <a:srgbClr val="808080"/>
                 </a:solidFill>
               </a:rPr>
-              <a:t>67-68</a:t>
+              <a:t>65-66</a:t>
             </a:r>
             <a:endParaRPr lang="en-US" sz="2400" dirty="0"/>
           </a:p>
@@ -4123,7 +3767,7 @@
                   <a:srgbClr val="000000"/>
                 </a:solidFill>
               </a:rPr>
-              <a:t>殺人</a:t>
+              <a:t>否定</a:t>
             </a:r>
             <a:endParaRPr lang="en-US" sz="4800" dirty="0"/>
           </a:p>
@@ -4171,7 +3815,7 @@
                   <a:srgbClr val="404040"/>
                 </a:solidFill>
               </a:rPr>
-              <a:t>さつじん</a:t>
+              <a:t>ひてい</a:t>
             </a:r>
             <a:endParaRPr lang="en-US" sz="3600" dirty="0"/>
           </a:p>
@@ -4207,7 +3851,7 @@
                   <a:srgbClr val="808080"/>
                 </a:solidFill>
               </a:rPr>
-              <a:t>murder, homicide, manslaughter...</a:t>
+              <a:t>denial, negation, repudiation, disavowal | negation | NOT operation...</a:t>
             </a:r>
             <a:endParaRPr lang="en-US" sz="3600" dirty="0"/>
           </a:p>
@@ -4243,7 +3887,7 @@
                   <a:srgbClr val="808080"/>
                 </a:solidFill>
               </a:rPr>
-              <a:t>67-68</a:t>
+              <a:t>65-66</a:t>
             </a:r>
             <a:endParaRPr lang="en-US" sz="2400" dirty="0"/>
           </a:p>
@@ -4304,7 +3948,7 @@
                   <a:srgbClr val="000000"/>
                 </a:solidFill>
               </a:rPr>
-              <a:t>農薬</a:t>
+              <a:t>野菜</a:t>
             </a:r>
             <a:endParaRPr lang="en-US" sz="4800" dirty="0"/>
           </a:p>
@@ -4352,7 +3996,7 @@
                   <a:srgbClr val="404040"/>
                 </a:solidFill>
               </a:rPr>
-              <a:t>のうやく</a:t>
+              <a:t>やさい</a:t>
             </a:r>
             <a:endParaRPr lang="en-US" sz="3600" dirty="0"/>
           </a:p>
@@ -4388,7 +4032,7 @@
                   <a:srgbClr val="808080"/>
                 </a:solidFill>
               </a:rPr>
-              <a:t>agricultural chemical (i.e. pesticide, herbicide, fungicide, etc.), agrochemical, agrichemical...</a:t>
+              <a:t>vegetable...</a:t>
             </a:r>
             <a:endParaRPr lang="en-US" sz="3600" dirty="0"/>
           </a:p>
@@ -4424,7 +4068,7 @@
                   <a:srgbClr val="808080"/>
                 </a:solidFill>
               </a:rPr>
-              <a:t>67-68</a:t>
+              <a:t>65-66</a:t>
             </a:r>
             <a:endParaRPr lang="en-US" sz="2400" dirty="0"/>
           </a:p>
@@ -4485,7 +4129,7 @@
                   <a:srgbClr val="000000"/>
                 </a:solidFill>
               </a:rPr>
-              <a:t>収入印紙</a:t>
+              <a:t>穀物</a:t>
             </a:r>
             <a:endParaRPr lang="en-US" sz="4800" dirty="0"/>
           </a:p>
@@ -4533,7 +4177,7 @@
                   <a:srgbClr val="404040"/>
                 </a:solidFill>
               </a:rPr>
-              <a:t>しゅうにゅういんし</a:t>
+              <a:t>こくもつ</a:t>
             </a:r>
             <a:endParaRPr lang="en-US" sz="3600" dirty="0"/>
           </a:p>
@@ -4569,7 +4213,7 @@
                   <a:srgbClr val="808080"/>
                 </a:solidFill>
               </a:rPr>
-              <a:t>revenue stamp...</a:t>
+              <a:t>grain, cereal, corn...</a:t>
             </a:r>
             <a:endParaRPr lang="en-US" sz="3600" dirty="0"/>
           </a:p>
@@ -4605,7 +4249,7 @@
                   <a:srgbClr val="808080"/>
                 </a:solidFill>
               </a:rPr>
-              <a:t>67-68</a:t>
+              <a:t>65-66</a:t>
             </a:r>
             <a:endParaRPr lang="en-US" sz="2400" dirty="0"/>
           </a:p>
@@ -4666,7 +4310,7 @@
                   <a:srgbClr val="000000"/>
                 </a:solidFill>
               </a:rPr>
-              <a:t>収穫</a:t>
+              <a:t>害虫</a:t>
             </a:r>
             <a:endParaRPr lang="en-US" sz="4800" dirty="0"/>
           </a:p>
@@ -4714,7 +4358,7 @@
                   <a:srgbClr val="404040"/>
                 </a:solidFill>
               </a:rPr>
-              <a:t>しゅうかく</a:t>
+              <a:t>がいちゅう</a:t>
             </a:r>
             <a:endParaRPr lang="en-US" sz="3600" dirty="0"/>
           </a:p>
@@ -4750,7 +4394,7 @@
                   <a:srgbClr val="808080"/>
                 </a:solidFill>
               </a:rPr>
-              <a:t>harvest, crop, ingathering | fruits (of one's labors), gain, result, returns...</a:t>
+              <a:t>harmful insect, noxious insect, vermin, pest...</a:t>
             </a:r>
             <a:endParaRPr lang="en-US" sz="3600" dirty="0"/>
           </a:p>
@@ -4786,7 +4430,7 @@
                   <a:srgbClr val="808080"/>
                 </a:solidFill>
               </a:rPr>
-              <a:t>67-68</a:t>
+              <a:t>65-66</a:t>
             </a:r>
             <a:endParaRPr lang="en-US" sz="2400" dirty="0"/>
           </a:p>
@@ -4847,7 +4491,7 @@
                   <a:srgbClr val="000000"/>
                 </a:solidFill>
               </a:rPr>
-              <a:t>環境</a:t>
+              <a:t>殺人</a:t>
             </a:r>
             <a:endParaRPr lang="en-US" sz="4800" dirty="0"/>
           </a:p>
@@ -4895,7 +4539,7 @@
                   <a:srgbClr val="404040"/>
                 </a:solidFill>
               </a:rPr>
-              <a:t>かんきょう</a:t>
+              <a:t>さつじん</a:t>
             </a:r>
             <a:endParaRPr lang="en-US" sz="3600" dirty="0"/>
           </a:p>
@@ -4931,731 +4575,7 @@
                   <a:srgbClr val="808080"/>
                 </a:solidFill>
               </a:rPr>
-              <a:t>environment, circumstance...</a:t>
-            </a:r>
-            <a:endParaRPr lang="en-US" sz="3600" dirty="0"/>
-          </a:p>
-        </p:txBody>
-      </p:sp>
-      <p:sp>
-        <p:nvSpPr>
-          <p:cNvPr id="5" name="Text 3"/>
-          <p:cNvSpPr/>
-          <p:nvPr/>
-        </p:nvSpPr>
-        <p:spPr>
-          <a:xfrm>
-            <a:off x="0" y="3657600"/>
-            <a:ext cx="8686800" cy="1828800"/>
-          </a:xfrm>
-          <a:prstGeom prst="rect">
-            <a:avLst/>
-          </a:prstGeom>
-          <a:noFill/>
-          <a:ln/>
-        </p:spPr>
-        <p:txBody>
-          <a:bodyPr wrap="square" rtlCol="0" anchor="ctr"/>
-          <a:lstStyle/>
-          <a:p>
-            <a:pPr algn="r" indent="0" marL="0">
-              <a:buNone/>
-            </a:pPr>
-            <a:r>
-              <a:rPr lang="en-US" sz="2400" dirty="0">
-                <a:solidFill>
-                  <a:srgbClr val="808080"/>
-                </a:solidFill>
-              </a:rPr>
-              <a:t>69-70</a:t>
-            </a:r>
-            <a:endParaRPr lang="en-US" sz="2400" dirty="0"/>
-          </a:p>
-        </p:txBody>
-      </p:sp>
-    </p:spTree>
-  </p:cSld>
-  <p:clrMapOvr>
-    <a:masterClrMapping/>
-  </p:clrMapOvr>
-</p:sld>
-</file>
-
-<file path=ppt/slides/slide20.xml><?xml version="1.0" encoding="utf-8"?>
-<p:sld xmlns:a="http://schemas.openxmlformats.org/drawingml/2006/main" xmlns:r="http://schemas.openxmlformats.org/officeDocument/2006/relationships" xmlns:p="http://schemas.openxmlformats.org/presentationml/2006/main">
-  <p:cSld name="Slide 20">
-    <p:spTree>
-      <p:nvGrpSpPr>
-        <p:cNvPr id="1" name=""/>
-        <p:cNvGrpSpPr/>
-        <p:nvPr/>
-      </p:nvGrpSpPr>
-      <p:grpSpPr>
-        <a:xfrm>
-          <a:off x="0" y="0"/>
-          <a:ext cx="0" cy="0"/>
-          <a:chOff x="0" y="0"/>
-          <a:chExt cx="0" cy="0"/>
-        </a:xfrm>
-      </p:grpSpPr>
-      <p:sp>
-        <p:nvSpPr>
-          <p:cNvPr id="2" name="Text 0"/>
-          <p:cNvSpPr/>
-          <p:nvPr/>
-        </p:nvSpPr>
-        <p:spPr>
-          <a:xfrm>
-            <a:off x="0" y="548640"/>
-            <a:ext cx="9144000" cy="1828800"/>
-          </a:xfrm>
-          <a:prstGeom prst="rect">
-            <a:avLst/>
-          </a:prstGeom>
-          <a:noFill/>
-          <a:ln/>
-        </p:spPr>
-        <p:txBody>
-          <a:bodyPr wrap="square" rtlCol="0" anchor="ctr"/>
-          <a:lstStyle/>
-          <a:p>
-            <a:pPr algn="ctr" indent="0" marL="0">
-              <a:buNone/>
-            </a:pPr>
-            <a:r>
-              <a:rPr lang="en-US" sz="4800" dirty="0">
-                <a:solidFill>
-                  <a:srgbClr val="000000"/>
-                </a:solidFill>
-              </a:rPr>
-              <a:t>少量</a:t>
-            </a:r>
-            <a:endParaRPr lang="en-US" sz="4800" dirty="0"/>
-          </a:p>
-        </p:txBody>
-      </p:sp>
-      <p:sp>
-        <p:nvSpPr>
-          <p:cNvPr id="3" name="Text 1"/>
-          <p:cNvSpPr/>
-          <p:nvPr/>
-        </p:nvSpPr>
-        <p:spPr>
-          <a:xfrm>
-            <a:off x="0" y="914400"/>
-            <a:ext cx="9144000" cy="1828800"/>
-          </a:xfrm>
-          <a:prstGeom prst="rect">
-            <a:avLst/>
-          </a:prstGeom>
-          <a:noFill/>
-          <a:ln/>
-        </p:spPr>
-        <p:txBody>
-          <a:bodyPr wrap="square" rtlCol="0" anchor="ctr"/>
-          <a:lstStyle/>
-          <a:p>
-            <a:pPr algn="ctr" indent="0" marL="0">
-              <a:buNone/>
-            </a:pPr>
-            <a:endParaRPr lang="en-US" sz="3600" dirty="0"/>
-          </a:p>
-          <a:p>
-            <a:pPr algn="ctr" indent="0" marL="0">
-              <a:buNone/>
-            </a:pPr>
-            <a:endParaRPr lang="en-US" sz="3600" dirty="0"/>
-          </a:p>
-          <a:p>
-            <a:pPr algn="ctr" indent="0" marL="0">
-              <a:buNone/>
-            </a:pPr>
-            <a:r>
-              <a:rPr lang="en-US" sz="3600" dirty="0">
-                <a:solidFill>
-                  <a:srgbClr val="404040"/>
-                </a:solidFill>
-              </a:rPr>
-              <a:t>しょうりょう</a:t>
-            </a:r>
-            <a:endParaRPr lang="en-US" sz="3600" dirty="0"/>
-          </a:p>
-        </p:txBody>
-      </p:sp>
-      <p:sp>
-        <p:nvSpPr>
-          <p:cNvPr id="4" name="Text 2"/>
-          <p:cNvSpPr/>
-          <p:nvPr/>
-        </p:nvSpPr>
-        <p:spPr>
-          <a:xfrm>
-            <a:off x="0" y="2743200"/>
-            <a:ext cx="9144000" cy="1828800"/>
-          </a:xfrm>
-          <a:prstGeom prst="rect">
-            <a:avLst/>
-          </a:prstGeom>
-          <a:noFill/>
-          <a:ln/>
-        </p:spPr>
-        <p:txBody>
-          <a:bodyPr wrap="square" rtlCol="0" anchor="ctr"/>
-          <a:lstStyle/>
-          <a:p>
-            <a:pPr algn="ctr" indent="0" marL="0">
-              <a:buNone/>
-            </a:pPr>
-            <a:r>
-              <a:rPr lang="en-US" sz="3600" dirty="0">
-                <a:solidFill>
-                  <a:srgbClr val="808080"/>
-                </a:solidFill>
-              </a:rPr>
-              <a:t>small quantity, small amount | narrowmindedness...</a:t>
-            </a:r>
-            <a:endParaRPr lang="en-US" sz="3600" dirty="0"/>
-          </a:p>
-        </p:txBody>
-      </p:sp>
-      <p:sp>
-        <p:nvSpPr>
-          <p:cNvPr id="5" name="Text 3"/>
-          <p:cNvSpPr/>
-          <p:nvPr/>
-        </p:nvSpPr>
-        <p:spPr>
-          <a:xfrm>
-            <a:off x="0" y="3657600"/>
-            <a:ext cx="8686800" cy="1828800"/>
-          </a:xfrm>
-          <a:prstGeom prst="rect">
-            <a:avLst/>
-          </a:prstGeom>
-          <a:noFill/>
-          <a:ln/>
-        </p:spPr>
-        <p:txBody>
-          <a:bodyPr wrap="square" rtlCol="0" anchor="ctr"/>
-          <a:lstStyle/>
-          <a:p>
-            <a:pPr algn="r" indent="0" marL="0">
-              <a:buNone/>
-            </a:pPr>
-            <a:r>
-              <a:rPr lang="en-US" sz="2400" dirty="0">
-                <a:solidFill>
-                  <a:srgbClr val="808080"/>
-                </a:solidFill>
-              </a:rPr>
-              <a:t>67-68</a:t>
-            </a:r>
-            <a:endParaRPr lang="en-US" sz="2400" dirty="0"/>
-          </a:p>
-        </p:txBody>
-      </p:sp>
-    </p:spTree>
-  </p:cSld>
-  <p:clrMapOvr>
-    <a:masterClrMapping/>
-  </p:clrMapOvr>
-</p:sld>
-</file>
-
-<file path=ppt/slides/slide21.xml><?xml version="1.0" encoding="utf-8"?>
-<p:sld xmlns:a="http://schemas.openxmlformats.org/drawingml/2006/main" xmlns:r="http://schemas.openxmlformats.org/officeDocument/2006/relationships" xmlns:p="http://schemas.openxmlformats.org/presentationml/2006/main">
-  <p:cSld name="Slide 21">
-    <p:spTree>
-      <p:nvGrpSpPr>
-        <p:cNvPr id="1" name=""/>
-        <p:cNvGrpSpPr/>
-        <p:nvPr/>
-      </p:nvGrpSpPr>
-      <p:grpSpPr>
-        <a:xfrm>
-          <a:off x="0" y="0"/>
-          <a:ext cx="0" cy="0"/>
-          <a:chOff x="0" y="0"/>
-          <a:chExt cx="0" cy="0"/>
-        </a:xfrm>
-      </p:grpSpPr>
-      <p:sp>
-        <p:nvSpPr>
-          <p:cNvPr id="2" name="Text 0"/>
-          <p:cNvSpPr/>
-          <p:nvPr/>
-        </p:nvSpPr>
-        <p:spPr>
-          <a:xfrm>
-            <a:off x="0" y="548640"/>
-            <a:ext cx="9144000" cy="1828800"/>
-          </a:xfrm>
-          <a:prstGeom prst="rect">
-            <a:avLst/>
-          </a:prstGeom>
-          <a:noFill/>
-          <a:ln/>
-        </p:spPr>
-        <p:txBody>
-          <a:bodyPr wrap="square" rtlCol="0" anchor="ctr"/>
-          <a:lstStyle/>
-          <a:p>
-            <a:pPr algn="ctr" indent="0" marL="0">
-              <a:buNone/>
-            </a:pPr>
-            <a:r>
-              <a:rPr lang="en-US" sz="4800" dirty="0">
-                <a:solidFill>
-                  <a:srgbClr val="000000"/>
-                </a:solidFill>
-              </a:rPr>
-              <a:t>完全</a:t>
-            </a:r>
-            <a:endParaRPr lang="en-US" sz="4800" dirty="0"/>
-          </a:p>
-        </p:txBody>
-      </p:sp>
-      <p:sp>
-        <p:nvSpPr>
-          <p:cNvPr id="3" name="Text 1"/>
-          <p:cNvSpPr/>
-          <p:nvPr/>
-        </p:nvSpPr>
-        <p:spPr>
-          <a:xfrm>
-            <a:off x="0" y="914400"/>
-            <a:ext cx="9144000" cy="1828800"/>
-          </a:xfrm>
-          <a:prstGeom prst="rect">
-            <a:avLst/>
-          </a:prstGeom>
-          <a:noFill/>
-          <a:ln/>
-        </p:spPr>
-        <p:txBody>
-          <a:bodyPr wrap="square" rtlCol="0" anchor="ctr"/>
-          <a:lstStyle/>
-          <a:p>
-            <a:pPr algn="ctr" indent="0" marL="0">
-              <a:buNone/>
-            </a:pPr>
-            <a:endParaRPr lang="en-US" sz="3600" dirty="0"/>
-          </a:p>
-          <a:p>
-            <a:pPr algn="ctr" indent="0" marL="0">
-              <a:buNone/>
-            </a:pPr>
-            <a:endParaRPr lang="en-US" sz="3600" dirty="0"/>
-          </a:p>
-          <a:p>
-            <a:pPr algn="ctr" indent="0" marL="0">
-              <a:buNone/>
-            </a:pPr>
-            <a:r>
-              <a:rPr lang="en-US" sz="3600" dirty="0">
-                <a:solidFill>
-                  <a:srgbClr val="404040"/>
-                </a:solidFill>
-              </a:rPr>
-              <a:t>かんぜん</a:t>
-            </a:r>
-            <a:endParaRPr lang="en-US" sz="3600" dirty="0"/>
-          </a:p>
-        </p:txBody>
-      </p:sp>
-      <p:sp>
-        <p:nvSpPr>
-          <p:cNvPr id="4" name="Text 2"/>
-          <p:cNvSpPr/>
-          <p:nvPr/>
-        </p:nvSpPr>
-        <p:spPr>
-          <a:xfrm>
-            <a:off x="0" y="2743200"/>
-            <a:ext cx="9144000" cy="1828800"/>
-          </a:xfrm>
-          <a:prstGeom prst="rect">
-            <a:avLst/>
-          </a:prstGeom>
-          <a:noFill/>
-          <a:ln/>
-        </p:spPr>
-        <p:txBody>
-          <a:bodyPr wrap="square" rtlCol="0" anchor="ctr"/>
-          <a:lstStyle/>
-          <a:p>
-            <a:pPr algn="ctr" indent="0" marL="0">
-              <a:buNone/>
-            </a:pPr>
-            <a:r>
-              <a:rPr lang="en-US" sz="3600" dirty="0">
-                <a:solidFill>
-                  <a:srgbClr val="808080"/>
-                </a:solidFill>
-              </a:rPr>
-              <a:t>perfect, complete...</a:t>
-            </a:r>
-            <a:endParaRPr lang="en-US" sz="3600" dirty="0"/>
-          </a:p>
-        </p:txBody>
-      </p:sp>
-      <p:sp>
-        <p:nvSpPr>
-          <p:cNvPr id="5" name="Text 3"/>
-          <p:cNvSpPr/>
-          <p:nvPr/>
-        </p:nvSpPr>
-        <p:spPr>
-          <a:xfrm>
-            <a:off x="0" y="3657600"/>
-            <a:ext cx="8686800" cy="1828800"/>
-          </a:xfrm>
-          <a:prstGeom prst="rect">
-            <a:avLst/>
-          </a:prstGeom>
-          <a:noFill/>
-          <a:ln/>
-        </p:spPr>
-        <p:txBody>
-          <a:bodyPr wrap="square" rtlCol="0" anchor="ctr"/>
-          <a:lstStyle/>
-          <a:p>
-            <a:pPr algn="r" indent="0" marL="0">
-              <a:buNone/>
-            </a:pPr>
-            <a:r>
-              <a:rPr lang="en-US" sz="2400" dirty="0">
-                <a:solidFill>
-                  <a:srgbClr val="808080"/>
-                </a:solidFill>
-              </a:rPr>
-              <a:t>67-68</a:t>
-            </a:r>
-            <a:endParaRPr lang="en-US" sz="2400" dirty="0"/>
-          </a:p>
-        </p:txBody>
-      </p:sp>
-    </p:spTree>
-  </p:cSld>
-  <p:clrMapOvr>
-    <a:masterClrMapping/>
-  </p:clrMapOvr>
-</p:sld>
-</file>
-
-<file path=ppt/slides/slide22.xml><?xml version="1.0" encoding="utf-8"?>
-<p:sld xmlns:a="http://schemas.openxmlformats.org/drawingml/2006/main" xmlns:r="http://schemas.openxmlformats.org/officeDocument/2006/relationships" xmlns:p="http://schemas.openxmlformats.org/presentationml/2006/main">
-  <p:cSld name="Slide 22">
-    <p:spTree>
-      <p:nvGrpSpPr>
-        <p:cNvPr id="1" name=""/>
-        <p:cNvGrpSpPr/>
-        <p:nvPr/>
-      </p:nvGrpSpPr>
-      <p:grpSpPr>
-        <a:xfrm>
-          <a:off x="0" y="0"/>
-          <a:ext cx="0" cy="0"/>
-          <a:chOff x="0" y="0"/>
-          <a:chExt cx="0" cy="0"/>
-        </a:xfrm>
-      </p:grpSpPr>
-      <p:sp>
-        <p:nvSpPr>
-          <p:cNvPr id="2" name="Text 0"/>
-          <p:cNvSpPr/>
-          <p:nvPr/>
-        </p:nvSpPr>
-        <p:spPr>
-          <a:xfrm>
-            <a:off x="0" y="548640"/>
-            <a:ext cx="9144000" cy="1828800"/>
-          </a:xfrm>
-          <a:prstGeom prst="rect">
-            <a:avLst/>
-          </a:prstGeom>
-          <a:noFill/>
-          <a:ln/>
-        </p:spPr>
-        <p:txBody>
-          <a:bodyPr wrap="square" rtlCol="0" anchor="ctr"/>
-          <a:lstStyle/>
-          <a:p>
-            <a:pPr algn="ctr" indent="0" marL="0">
-              <a:buNone/>
-            </a:pPr>
-            <a:r>
-              <a:rPr lang="en-US" sz="4800" dirty="0">
-                <a:solidFill>
-                  <a:srgbClr val="000000"/>
-                </a:solidFill>
-              </a:rPr>
-              <a:t>原因</a:t>
-            </a:r>
-            <a:endParaRPr lang="en-US" sz="4800" dirty="0"/>
-          </a:p>
-        </p:txBody>
-      </p:sp>
-      <p:sp>
-        <p:nvSpPr>
-          <p:cNvPr id="3" name="Text 1"/>
-          <p:cNvSpPr/>
-          <p:nvPr/>
-        </p:nvSpPr>
-        <p:spPr>
-          <a:xfrm>
-            <a:off x="0" y="914400"/>
-            <a:ext cx="9144000" cy="1828800"/>
-          </a:xfrm>
-          <a:prstGeom prst="rect">
-            <a:avLst/>
-          </a:prstGeom>
-          <a:noFill/>
-          <a:ln/>
-        </p:spPr>
-        <p:txBody>
-          <a:bodyPr wrap="square" rtlCol="0" anchor="ctr"/>
-          <a:lstStyle/>
-          <a:p>
-            <a:pPr algn="ctr" indent="0" marL="0">
-              <a:buNone/>
-            </a:pPr>
-            <a:endParaRPr lang="en-US" sz="3600" dirty="0"/>
-          </a:p>
-          <a:p>
-            <a:pPr algn="ctr" indent="0" marL="0">
-              <a:buNone/>
-            </a:pPr>
-            <a:endParaRPr lang="en-US" sz="3600" dirty="0"/>
-          </a:p>
-          <a:p>
-            <a:pPr algn="ctr" indent="0" marL="0">
-              <a:buNone/>
-            </a:pPr>
-            <a:r>
-              <a:rPr lang="en-US" sz="3600" dirty="0">
-                <a:solidFill>
-                  <a:srgbClr val="404040"/>
-                </a:solidFill>
-              </a:rPr>
-              <a:t>げんいん</a:t>
-            </a:r>
-            <a:endParaRPr lang="en-US" sz="3600" dirty="0"/>
-          </a:p>
-        </p:txBody>
-      </p:sp>
-      <p:sp>
-        <p:nvSpPr>
-          <p:cNvPr id="4" name="Text 2"/>
-          <p:cNvSpPr/>
-          <p:nvPr/>
-        </p:nvSpPr>
-        <p:spPr>
-          <a:xfrm>
-            <a:off x="0" y="2743200"/>
-            <a:ext cx="9144000" cy="1828800"/>
-          </a:xfrm>
-          <a:prstGeom prst="rect">
-            <a:avLst/>
-          </a:prstGeom>
-          <a:noFill/>
-          <a:ln/>
-        </p:spPr>
-        <p:txBody>
-          <a:bodyPr wrap="square" rtlCol="0" anchor="ctr"/>
-          <a:lstStyle/>
-          <a:p>
-            <a:pPr algn="ctr" indent="0" marL="0">
-              <a:buNone/>
-            </a:pPr>
-            <a:r>
-              <a:rPr lang="en-US" sz="3600" dirty="0">
-                <a:solidFill>
-                  <a:srgbClr val="808080"/>
-                </a:solidFill>
-              </a:rPr>
-              <a:t>cause, origin, source...</a:t>
-            </a:r>
-            <a:endParaRPr lang="en-US" sz="3600" dirty="0"/>
-          </a:p>
-        </p:txBody>
-      </p:sp>
-      <p:sp>
-        <p:nvSpPr>
-          <p:cNvPr id="5" name="Text 3"/>
-          <p:cNvSpPr/>
-          <p:nvPr/>
-        </p:nvSpPr>
-        <p:spPr>
-          <a:xfrm>
-            <a:off x="0" y="3657600"/>
-            <a:ext cx="8686800" cy="1828800"/>
-          </a:xfrm>
-          <a:prstGeom prst="rect">
-            <a:avLst/>
-          </a:prstGeom>
-          <a:noFill/>
-          <a:ln/>
-        </p:spPr>
-        <p:txBody>
-          <a:bodyPr wrap="square" rtlCol="0" anchor="ctr"/>
-          <a:lstStyle/>
-          <a:p>
-            <a:pPr algn="r" indent="0" marL="0">
-              <a:buNone/>
-            </a:pPr>
-            <a:r>
-              <a:rPr lang="en-US" sz="2400" dirty="0">
-                <a:solidFill>
-                  <a:srgbClr val="808080"/>
-                </a:solidFill>
-              </a:rPr>
-              <a:t>67-68</a:t>
-            </a:r>
-            <a:endParaRPr lang="en-US" sz="2400" dirty="0"/>
-          </a:p>
-        </p:txBody>
-      </p:sp>
-    </p:spTree>
-  </p:cSld>
-  <p:clrMapOvr>
-    <a:masterClrMapping/>
-  </p:clrMapOvr>
-</p:sld>
-</file>
-
-<file path=ppt/slides/slide23.xml><?xml version="1.0" encoding="utf-8"?>
-<p:sld xmlns:a="http://schemas.openxmlformats.org/drawingml/2006/main" xmlns:r="http://schemas.openxmlformats.org/officeDocument/2006/relationships" xmlns:p="http://schemas.openxmlformats.org/presentationml/2006/main">
-  <p:cSld name="Slide 23">
-    <p:spTree>
-      <p:nvGrpSpPr>
-        <p:cNvPr id="1" name=""/>
-        <p:cNvGrpSpPr/>
-        <p:nvPr/>
-      </p:nvGrpSpPr>
-      <p:grpSpPr>
-        <a:xfrm>
-          <a:off x="0" y="0"/>
-          <a:ext cx="0" cy="0"/>
-          <a:chOff x="0" y="0"/>
-          <a:chExt cx="0" cy="0"/>
-        </a:xfrm>
-      </p:grpSpPr>
-      <p:sp>
-        <p:nvSpPr>
-          <p:cNvPr id="2" name="Text 0"/>
-          <p:cNvSpPr/>
-          <p:nvPr/>
-        </p:nvSpPr>
-        <p:spPr>
-          <a:xfrm>
-            <a:off x="0" y="548640"/>
-            <a:ext cx="9144000" cy="1828800"/>
-          </a:xfrm>
-          <a:prstGeom prst="rect">
-            <a:avLst/>
-          </a:prstGeom>
-          <a:noFill/>
-          <a:ln/>
-        </p:spPr>
-        <p:txBody>
-          <a:bodyPr wrap="square" rtlCol="0" anchor="ctr"/>
-          <a:lstStyle/>
-          <a:p>
-            <a:pPr algn="ctr" indent="0" marL="0">
-              <a:buNone/>
-            </a:pPr>
-            <a:r>
-              <a:rPr lang="en-US" sz="4800" dirty="0">
-                <a:solidFill>
-                  <a:srgbClr val="000000"/>
-                </a:solidFill>
-              </a:rPr>
-              <a:t>一環</a:t>
-            </a:r>
-            <a:endParaRPr lang="en-US" sz="4800" dirty="0"/>
-          </a:p>
-        </p:txBody>
-      </p:sp>
-      <p:sp>
-        <p:nvSpPr>
-          <p:cNvPr id="3" name="Text 1"/>
-          <p:cNvSpPr/>
-          <p:nvPr/>
-        </p:nvSpPr>
-        <p:spPr>
-          <a:xfrm>
-            <a:off x="0" y="914400"/>
-            <a:ext cx="9144000" cy="1828800"/>
-          </a:xfrm>
-          <a:prstGeom prst="rect">
-            <a:avLst/>
-          </a:prstGeom>
-          <a:noFill/>
-          <a:ln/>
-        </p:spPr>
-        <p:txBody>
-          <a:bodyPr wrap="square" rtlCol="0" anchor="ctr"/>
-          <a:lstStyle/>
-          <a:p>
-            <a:pPr algn="ctr" indent="0" marL="0">
-              <a:buNone/>
-            </a:pPr>
-            <a:endParaRPr lang="en-US" sz="3600" dirty="0"/>
-          </a:p>
-          <a:p>
-            <a:pPr algn="ctr" indent="0" marL="0">
-              <a:buNone/>
-            </a:pPr>
-            <a:endParaRPr lang="en-US" sz="3600" dirty="0"/>
-          </a:p>
-          <a:p>
-            <a:pPr algn="ctr" indent="0" marL="0">
-              <a:buNone/>
-            </a:pPr>
-            <a:r>
-              <a:rPr lang="en-US" sz="3600" dirty="0">
-                <a:solidFill>
-                  <a:srgbClr val="404040"/>
-                </a:solidFill>
-              </a:rPr>
-              <a:t>いっかん</a:t>
-            </a:r>
-            <a:endParaRPr lang="en-US" sz="3600" dirty="0"/>
-          </a:p>
-        </p:txBody>
-      </p:sp>
-      <p:sp>
-        <p:nvSpPr>
-          <p:cNvPr id="4" name="Text 2"/>
-          <p:cNvSpPr/>
-          <p:nvPr/>
-        </p:nvSpPr>
-        <p:spPr>
-          <a:xfrm>
-            <a:off x="0" y="2743200"/>
-            <a:ext cx="9144000" cy="1828800"/>
-          </a:xfrm>
-          <a:prstGeom prst="rect">
-            <a:avLst/>
-          </a:prstGeom>
-          <a:noFill/>
-          <a:ln/>
-        </p:spPr>
-        <p:txBody>
-          <a:bodyPr wrap="square" rtlCol="0" anchor="ctr"/>
-          <a:lstStyle/>
-          <a:p>
-            <a:pPr algn="ctr" indent="0" marL="0">
-              <a:buNone/>
-            </a:pPr>
-            <a:r>
-              <a:rPr lang="en-US" sz="3600" dirty="0">
-                <a:solidFill>
-                  <a:srgbClr val="808080"/>
-                </a:solidFill>
-              </a:rPr>
-              <a:t>link (e.g. in a chain of events), part (of a plan, campaign, activities, etc.) | monocyclic...</a:t>
+              <a:t>murder, homicide, manslaughter...</a:t>
             </a:r>
             <a:endParaRPr lang="en-US" sz="3600" dirty="0"/>
           </a:p>
@@ -5752,7 +4672,7 @@
                   <a:srgbClr val="000000"/>
                 </a:solidFill>
               </a:rPr>
-              <a:t>音響</a:t>
+              <a:t>農薬</a:t>
             </a:r>
             <a:endParaRPr lang="en-US" sz="4800" dirty="0"/>
           </a:p>
@@ -5800,7 +4720,7 @@
                   <a:srgbClr val="404040"/>
                 </a:solidFill>
               </a:rPr>
-              <a:t>おんきょう</a:t>
+              <a:t>のうやく</a:t>
             </a:r>
             <a:endParaRPr lang="en-US" sz="3600" dirty="0"/>
           </a:p>
@@ -5836,7 +4756,7 @@
                   <a:srgbClr val="808080"/>
                 </a:solidFill>
               </a:rPr>
-              <a:t>sound, noise, acoustics, reverberation, echo, audio...</a:t>
+              <a:t>agricultural chemical (i.e. pesticide, herbicide, fungicide, etc.), agrochemical, agrichemical...</a:t>
             </a:r>
             <a:endParaRPr lang="en-US" sz="3600" dirty="0"/>
           </a:p>
@@ -5872,7 +4792,7 @@
                   <a:srgbClr val="808080"/>
                 </a:solidFill>
               </a:rPr>
-              <a:t>69-70</a:t>
+              <a:t>67-68</a:t>
             </a:r>
             <a:endParaRPr lang="en-US" sz="2400" dirty="0"/>
           </a:p>
@@ -5933,7 +4853,7 @@
                   <a:srgbClr val="000000"/>
                 </a:solidFill>
               </a:rPr>
-              <a:t>影</a:t>
+              <a:t>収入印紙</a:t>
             </a:r>
             <a:endParaRPr lang="en-US" sz="4800" dirty="0"/>
           </a:p>
@@ -5981,7 +4901,7 @@
                   <a:srgbClr val="404040"/>
                 </a:solidFill>
               </a:rPr>
-              <a:t>かげ</a:t>
+              <a:t>しゅうにゅういんし</a:t>
             </a:r>
             <a:endParaRPr lang="en-US" sz="3600" dirty="0"/>
           </a:p>
@@ -6017,7 +4937,7 @@
                   <a:srgbClr val="808080"/>
                 </a:solidFill>
               </a:rPr>
-              <a:t>shadow, silhouette, figure, shape | reflection, image | ominous sign | light (stars, moon) | trace, shadow (of one's form...</a:t>
+              <a:t>revenue stamp...</a:t>
             </a:r>
             <a:endParaRPr lang="en-US" sz="3600" dirty="0"/>
           </a:p>
@@ -6053,7 +4973,7 @@
                   <a:srgbClr val="808080"/>
                 </a:solidFill>
               </a:rPr>
-              <a:t>69-70</a:t>
+              <a:t>67-68</a:t>
             </a:r>
             <a:endParaRPr lang="en-US" sz="2400" dirty="0"/>
           </a:p>
@@ -6114,7 +5034,7 @@
                   <a:srgbClr val="000000"/>
                 </a:solidFill>
               </a:rPr>
-              <a:t>影響</a:t>
+              <a:t>収穫</a:t>
             </a:r>
             <a:endParaRPr lang="en-US" sz="4800" dirty="0"/>
           </a:p>
@@ -6162,7 +5082,7 @@
                   <a:srgbClr val="404040"/>
                 </a:solidFill>
               </a:rPr>
-              <a:t>えいきょう</a:t>
+              <a:t>しゅうかく</a:t>
             </a:r>
             <a:endParaRPr lang="en-US" sz="3600" dirty="0"/>
           </a:p>
@@ -6198,7 +5118,7 @@
                   <a:srgbClr val="808080"/>
                 </a:solidFill>
               </a:rPr>
-              <a:t>influence, effect, impact...</a:t>
+              <a:t>harvest, crop, ingathering | fruits (of one's labors), gain, result, returns...</a:t>
             </a:r>
             <a:endParaRPr lang="en-US" sz="3600" dirty="0"/>
           </a:p>
@@ -6234,7 +5154,7 @@
                   <a:srgbClr val="808080"/>
                 </a:solidFill>
               </a:rPr>
-              <a:t>69-70</a:t>
+              <a:t>67-68</a:t>
             </a:r>
             <a:endParaRPr lang="en-US" sz="2400" dirty="0"/>
           </a:p>
@@ -6295,7 +5215,7 @@
                   <a:srgbClr val="000000"/>
                 </a:solidFill>
               </a:rPr>
-              <a:t>感染</a:t>
+              <a:t>少量</a:t>
             </a:r>
             <a:endParaRPr lang="en-US" sz="4800" dirty="0"/>
           </a:p>
@@ -6343,7 +5263,7 @@
                   <a:srgbClr val="404040"/>
                 </a:solidFill>
               </a:rPr>
-              <a:t>かんせん</a:t>
+              <a:t>しょうりょう</a:t>
             </a:r>
             <a:endParaRPr lang="en-US" sz="3600" dirty="0"/>
           </a:p>
@@ -6379,7 +5299,7 @@
                   <a:srgbClr val="808080"/>
                 </a:solidFill>
               </a:rPr>
-              <a:t>infection, contagion, becoming infected | being infected (e.g. with harmful ideas), being influenced (by)...</a:t>
+              <a:t>small quantity, small amount | narrowmindedness...</a:t>
             </a:r>
             <a:endParaRPr lang="en-US" sz="3600" dirty="0"/>
           </a:p>
@@ -6415,7 +5335,7 @@
                   <a:srgbClr val="808080"/>
                 </a:solidFill>
               </a:rPr>
-              <a:t>69-70</a:t>
+              <a:t>67-68</a:t>
             </a:r>
             <a:endParaRPr lang="en-US" sz="2400" dirty="0"/>
           </a:p>
@@ -6476,7 +5396,7 @@
                   <a:srgbClr val="000000"/>
                 </a:solidFill>
               </a:rPr>
-              <a:t>汚い</a:t>
+              <a:t>完全</a:t>
             </a:r>
             <a:endParaRPr lang="en-US" sz="4800" dirty="0"/>
           </a:p>
@@ -6524,7 +5444,7 @@
                   <a:srgbClr val="404040"/>
                 </a:solidFill>
               </a:rPr>
-              <a:t>きたない</a:t>
+              <a:t>かんぜん</a:t>
             </a:r>
             <a:endParaRPr lang="en-US" sz="3600" dirty="0"/>
           </a:p>
@@ -6560,7 +5480,7 @@
                   <a:srgbClr val="808080"/>
                 </a:solidFill>
               </a:rPr>
-              <a:t>dirty, filthy, foul, unclean | disordered, messy, untidy, poor (e.g. handwriting) | indecent (language, etc.), dirty, vul...</a:t>
+              <a:t>perfect, complete...</a:t>
             </a:r>
             <a:endParaRPr lang="en-US" sz="3600" dirty="0"/>
           </a:p>
@@ -6596,7 +5516,7 @@
                   <a:srgbClr val="808080"/>
                 </a:solidFill>
               </a:rPr>
-              <a:t>69-70</a:t>
+              <a:t>67-68</a:t>
             </a:r>
             <a:endParaRPr lang="en-US" sz="2400" dirty="0"/>
           </a:p>
@@ -6657,7 +5577,7 @@
                   <a:srgbClr val="000000"/>
                 </a:solidFill>
               </a:rPr>
-              <a:t>汚す</a:t>
+              <a:t>原因</a:t>
             </a:r>
             <a:endParaRPr lang="en-US" sz="4800" dirty="0"/>
           </a:p>
@@ -6705,7 +5625,7 @@
                   <a:srgbClr val="404040"/>
                 </a:solidFill>
               </a:rPr>
-              <a:t>よごす</a:t>
+              <a:t>げんいん</a:t>
             </a:r>
             <a:endParaRPr lang="en-US" sz="3600" dirty="0"/>
           </a:p>
@@ -6741,7 +5661,7 @@
                   <a:srgbClr val="808080"/>
                 </a:solidFill>
               </a:rPr>
-              <a:t>to pollute, to contaminate, to soil, to make dirty, to stain | to disgrace, to dishonour, to dishonor, to defile...</a:t>
+              <a:t>cause, origin, source...</a:t>
             </a:r>
             <a:endParaRPr lang="en-US" sz="3600" dirty="0"/>
           </a:p>
@@ -6777,7 +5697,7 @@
                   <a:srgbClr val="808080"/>
                 </a:solidFill>
               </a:rPr>
-              <a:t>69-70</a:t>
+              <a:t>67-68</a:t>
             </a:r>
             <a:endParaRPr lang="en-US" sz="2400" dirty="0"/>
           </a:p>
@@ -6838,7 +5758,7 @@
                   <a:srgbClr val="000000"/>
                 </a:solidFill>
               </a:rPr>
-              <a:t>汚染</a:t>
+              <a:t>一環</a:t>
             </a:r>
             <a:endParaRPr lang="en-US" sz="4800" dirty="0"/>
           </a:p>
@@ -6886,7 +5806,7 @@
                   <a:srgbClr val="404040"/>
                 </a:solidFill>
               </a:rPr>
-              <a:t>おせん</a:t>
+              <a:t>いっかん</a:t>
             </a:r>
             <a:endParaRPr lang="en-US" sz="3600" dirty="0"/>
           </a:p>
@@ -6922,7 +5842,7 @@
                   <a:srgbClr val="808080"/>
                 </a:solidFill>
               </a:rPr>
-              <a:t>pollution, contamination...</a:t>
+              <a:t>link (e.g. in a chain of events), part (of a plan, campaign, activities, etc.) | monocyclic...</a:t>
             </a:r>
             <a:endParaRPr lang="en-US" sz="3600" dirty="0"/>
           </a:p>
@@ -6958,7 +5878,7 @@
                   <a:srgbClr val="808080"/>
                 </a:solidFill>
               </a:rPr>
-              <a:t>69-70</a:t>
+              <a:t>67-68</a:t>
             </a:r>
             <a:endParaRPr lang="en-US" sz="2400" dirty="0"/>
           </a:p>
